--- a/پیشرفته/lstm/lstm2-erae.pptx
+++ b/پیشرفته/lstm/lstm2-erae.pptx
@@ -249,7 +249,7 @@
           <a:p>
             <a:fld id="{19B7F426-1164-44F8-9E8E-2A27A293764C}" type="datetimeFigureOut">
               <a:rPr lang="en-US" smtClean="0"/>
-              <a:t>2023-12-08</a:t>
+              <a:t>2023-12-25</a:t>
             </a:fld>
             <a:endParaRPr lang="en-US"/>
           </a:p>
@@ -707,7 +707,7 @@
           <a:p>
             <a:fld id="{BF4B6DCE-74A5-4975-B4B8-B66AACBB1915}" type="datetimeFigureOut">
               <a:rPr lang="en-US" smtClean="0"/>
-              <a:t>2023-12-08</a:t>
+              <a:t>2023-12-25</a:t>
             </a:fld>
             <a:endParaRPr lang="en-US"/>
           </a:p>
@@ -1143,7 +1143,7 @@
           <a:p>
             <a:fld id="{BF4B6DCE-74A5-4975-B4B8-B66AACBB1915}" type="datetimeFigureOut">
               <a:rPr lang="en-US" smtClean="0"/>
-              <a:t>2023-12-08</a:t>
+              <a:t>2023-12-25</a:t>
             </a:fld>
             <a:endParaRPr lang="en-US"/>
           </a:p>
@@ -1393,7 +1393,7 @@
           <a:p>
             <a:fld id="{BF4B6DCE-74A5-4975-B4B8-B66AACBB1915}" type="datetimeFigureOut">
               <a:rPr lang="en-US" smtClean="0"/>
-              <a:t>2023-12-08</a:t>
+              <a:t>2023-12-25</a:t>
             </a:fld>
             <a:endParaRPr lang="en-US"/>
           </a:p>
@@ -1701,7 +1701,7 @@
           <a:p>
             <a:fld id="{BF4B6DCE-74A5-4975-B4B8-B66AACBB1915}" type="datetimeFigureOut">
               <a:rPr lang="en-US" smtClean="0"/>
-              <a:t>2023-12-08</a:t>
+              <a:t>2023-12-25</a:t>
             </a:fld>
             <a:endParaRPr lang="en-US"/>
           </a:p>
@@ -2019,7 +2019,7 @@
           <a:p>
             <a:fld id="{BF4B6DCE-74A5-4975-B4B8-B66AACBB1915}" type="datetimeFigureOut">
               <a:rPr lang="en-US" smtClean="0"/>
-              <a:t>2023-12-08</a:t>
+              <a:t>2023-12-25</a:t>
             </a:fld>
             <a:endParaRPr lang="en-US"/>
           </a:p>
@@ -2321,7 +2321,7 @@
           <a:p>
             <a:fld id="{BF4B6DCE-74A5-4975-B4B8-B66AACBB1915}" type="datetimeFigureOut">
               <a:rPr lang="en-US" smtClean="0"/>
-              <a:t>2023-12-08</a:t>
+              <a:t>2023-12-25</a:t>
             </a:fld>
             <a:endParaRPr lang="en-US"/>
           </a:p>
@@ -2688,7 +2688,7 @@
           <a:p>
             <a:fld id="{BF4B6DCE-74A5-4975-B4B8-B66AACBB1915}" type="datetimeFigureOut">
               <a:rPr lang="en-US" smtClean="0"/>
-              <a:t>2023-12-08</a:t>
+              <a:t>2023-12-25</a:t>
             </a:fld>
             <a:endParaRPr lang="en-US"/>
           </a:p>
@@ -2862,7 +2862,7 @@
           <a:p>
             <a:fld id="{BF4B6DCE-74A5-4975-B4B8-B66AACBB1915}" type="datetimeFigureOut">
               <a:rPr lang="en-US" smtClean="0"/>
-              <a:t>2023-12-08</a:t>
+              <a:t>2023-12-25</a:t>
             </a:fld>
             <a:endParaRPr lang="en-US"/>
           </a:p>
@@ -3042,7 +3042,7 @@
           <a:p>
             <a:fld id="{BF4B6DCE-74A5-4975-B4B8-B66AACBB1915}" type="datetimeFigureOut">
               <a:rPr lang="en-US" smtClean="0"/>
-              <a:t>2023-12-08</a:t>
+              <a:t>2023-12-25</a:t>
             </a:fld>
             <a:endParaRPr lang="en-US"/>
           </a:p>
@@ -3212,7 +3212,7 @@
           <a:p>
             <a:fld id="{BF4B6DCE-74A5-4975-B4B8-B66AACBB1915}" type="datetimeFigureOut">
               <a:rPr lang="en-US" smtClean="0"/>
-              <a:t>2023-12-08</a:t>
+              <a:t>2023-12-25</a:t>
             </a:fld>
             <a:endParaRPr lang="en-US"/>
           </a:p>
@@ -3462,7 +3462,7 @@
           <a:p>
             <a:fld id="{BF4B6DCE-74A5-4975-B4B8-B66AACBB1915}" type="datetimeFigureOut">
               <a:rPr lang="en-US" smtClean="0"/>
-              <a:t>2023-12-08</a:t>
+              <a:t>2023-12-25</a:t>
             </a:fld>
             <a:endParaRPr lang="en-US"/>
           </a:p>
@@ -3698,7 +3698,7 @@
           <a:p>
             <a:fld id="{BF4B6DCE-74A5-4975-B4B8-B66AACBB1915}" type="datetimeFigureOut">
               <a:rPr lang="en-US" smtClean="0"/>
-              <a:t>2023-12-08</a:t>
+              <a:t>2023-12-25</a:t>
             </a:fld>
             <a:endParaRPr lang="en-US"/>
           </a:p>
@@ -4080,7 +4080,7 @@
           <a:p>
             <a:fld id="{BF4B6DCE-74A5-4975-B4B8-B66AACBB1915}" type="datetimeFigureOut">
               <a:rPr lang="en-US" smtClean="0"/>
-              <a:t>2023-12-08</a:t>
+              <a:t>2023-12-25</a:t>
             </a:fld>
             <a:endParaRPr lang="en-US"/>
           </a:p>
@@ -4198,7 +4198,7 @@
           <a:p>
             <a:fld id="{BF4B6DCE-74A5-4975-B4B8-B66AACBB1915}" type="datetimeFigureOut">
               <a:rPr lang="en-US" smtClean="0"/>
-              <a:t>2023-12-08</a:t>
+              <a:t>2023-12-25</a:t>
             </a:fld>
             <a:endParaRPr lang="en-US"/>
           </a:p>
@@ -4293,7 +4293,7 @@
           <a:p>
             <a:fld id="{BF4B6DCE-74A5-4975-B4B8-B66AACBB1915}" type="datetimeFigureOut">
               <a:rPr lang="en-US" smtClean="0"/>
-              <a:t>2023-12-08</a:t>
+              <a:t>2023-12-25</a:t>
             </a:fld>
             <a:endParaRPr lang="en-US"/>
           </a:p>
@@ -4548,7 +4548,7 @@
           <a:p>
             <a:fld id="{BF4B6DCE-74A5-4975-B4B8-B66AACBB1915}" type="datetimeFigureOut">
               <a:rPr lang="en-US" smtClean="0"/>
-              <a:t>2023-12-08</a:t>
+              <a:t>2023-12-25</a:t>
             </a:fld>
             <a:endParaRPr lang="en-US"/>
           </a:p>
@@ -4831,7 +4831,7 @@
           <a:p>
             <a:fld id="{BF4B6DCE-74A5-4975-B4B8-B66AACBB1915}" type="datetimeFigureOut">
               <a:rPr lang="en-US" smtClean="0"/>
-              <a:t>2023-12-08</a:t>
+              <a:t>2023-12-25</a:t>
             </a:fld>
             <a:endParaRPr lang="en-US"/>
           </a:p>
@@ -5237,7 +5237,7 @@
           <a:p>
             <a:fld id="{BF4B6DCE-74A5-4975-B4B8-B66AACBB1915}" type="datetimeFigureOut">
               <a:rPr lang="en-US" smtClean="0"/>
-              <a:t>2023-12-08</a:t>
+              <a:t>2023-12-25</a:t>
             </a:fld>
             <a:endParaRPr lang="en-US"/>
           </a:p>
@@ -5795,14 +5795,16 @@
           </a:xfrm>
         </p:spPr>
         <p:txBody>
-          <a:bodyPr/>
+          <a:bodyPr>
+            <a:normAutofit/>
+          </a:bodyPr>
           <a:lstStyle/>
           <a:p>
             <a:pPr algn="ctr" rtl="1"/>
             <a:r>
-              <a:rPr lang="fa-IR" sz="1800" dirty="0">
+              <a:rPr lang="fa-IR" sz="2600" dirty="0">
                 <a:solidFill>
-                  <a:srgbClr val="3C4043"/>
+                  <a:schemeClr val="bg1"/>
                 </a:solidFill>
                 <a:effectLst/>
                 <a:latin typeface="Roboto" panose="02000000000000000000" pitchFamily="2" charset="0"/>
@@ -5812,9 +5814,9 @@
               <a:t>تشخیص دست خط آنلاین سریع چند زبانه مبتنی بر </a:t>
             </a:r>
             <a:r>
-              <a:rPr lang="en-US" sz="1800" dirty="0">
+              <a:rPr lang="en-US" sz="2600" dirty="0">
                 <a:solidFill>
-                  <a:srgbClr val="3C4043"/>
+                  <a:schemeClr val="bg1"/>
                 </a:solidFill>
                 <a:effectLst/>
                 <a:latin typeface="Roboto" panose="02000000000000000000" pitchFamily="2" charset="0"/>
@@ -5823,33 +5825,11 @@
               </a:rPr>
               <a:t>LSTM</a:t>
             </a:r>
-            <a:endParaRPr lang="en-US" dirty="0"/>
-          </a:p>
-        </p:txBody>
-      </p:sp>
-      <p:sp>
-        <p:nvSpPr>
-          <p:cNvPr id="3" name="Subtitle 2">
-            <a:extLst>
-              <a:ext uri="{FF2B5EF4-FFF2-40B4-BE49-F238E27FC236}">
-                <a16:creationId xmlns:a16="http://schemas.microsoft.com/office/drawing/2014/main" id="{01166D43-1C52-5449-A76C-085D06E9EDE3}"/>
-              </a:ext>
-            </a:extLst>
-          </p:cNvPr>
-          <p:cNvSpPr>
-            <a:spLocks noGrp="1"/>
-          </p:cNvSpPr>
-          <p:nvPr>
-            <p:ph type="subTitle" idx="1"/>
-          </p:nvPr>
-        </p:nvSpPr>
-        <p:spPr/>
-        <p:txBody>
-          <a:bodyPr/>
-          <a:lstStyle/>
-          <a:p>
-            <a:pPr rtl="1"/>
-            <a:endParaRPr lang="en-US"/>
+            <a:endParaRPr lang="en-US" sz="2600" dirty="0">
+              <a:solidFill>
+                <a:schemeClr val="bg1"/>
+              </a:solidFill>
+            </a:endParaRPr>
           </a:p>
         </p:txBody>
       </p:sp>
@@ -7416,6 +7396,74 @@
               </a:spcAft>
               <a:buNone/>
             </a:pPr>
+            <a:endParaRPr lang="fa-IR" dirty="0">
+              <a:solidFill>
+                <a:schemeClr val="bg1"/>
+              </a:solidFill>
+              <a:effectLst/>
+              <a:latin typeface="Calibri" panose="020F0502020204030204" pitchFamily="34" charset="0"/>
+              <a:ea typeface="Calibri" panose="020F0502020204030204" pitchFamily="34" charset="0"/>
+              <a:cs typeface="B Nazanin" panose="00000400000000000000" pitchFamily="2" charset="-78"/>
+            </a:endParaRPr>
+          </a:p>
+          <a:p>
+            <a:pPr marL="0" marR="0" indent="0" algn="r" rtl="1">
+              <a:lnSpc>
+                <a:spcPct val="107000"/>
+              </a:lnSpc>
+              <a:spcBef>
+                <a:spcPts val="0"/>
+              </a:spcBef>
+              <a:spcAft>
+                <a:spcPts val="800"/>
+              </a:spcAft>
+              <a:buNone/>
+            </a:pPr>
+            <a:endParaRPr lang="fa-IR" dirty="0">
+              <a:solidFill>
+                <a:schemeClr val="bg1"/>
+              </a:solidFill>
+              <a:latin typeface="Calibri" panose="020F0502020204030204" pitchFamily="34" charset="0"/>
+              <a:ea typeface="Calibri" panose="020F0502020204030204" pitchFamily="34" charset="0"/>
+              <a:cs typeface="B Nazanin" panose="00000400000000000000" pitchFamily="2" charset="-78"/>
+            </a:endParaRPr>
+          </a:p>
+          <a:p>
+            <a:pPr marL="0" marR="0" indent="0" algn="r" rtl="1">
+              <a:lnSpc>
+                <a:spcPct val="107000"/>
+              </a:lnSpc>
+              <a:spcBef>
+                <a:spcPts val="0"/>
+              </a:spcBef>
+              <a:spcAft>
+                <a:spcPts val="800"/>
+              </a:spcAft>
+              <a:buNone/>
+            </a:pPr>
+            <a:endParaRPr lang="fa-IR" dirty="0">
+              <a:solidFill>
+                <a:schemeClr val="bg1"/>
+              </a:solidFill>
+              <a:effectLst/>
+              <a:latin typeface="Calibri" panose="020F0502020204030204" pitchFamily="34" charset="0"/>
+              <a:ea typeface="Calibri" panose="020F0502020204030204" pitchFamily="34" charset="0"/>
+              <a:cs typeface="B Nazanin" panose="00000400000000000000" pitchFamily="2" charset="-78"/>
+            </a:endParaRPr>
+          </a:p>
+          <a:p>
+            <a:pPr marL="0" marR="0" indent="0" algn="r" rtl="1">
+              <a:lnSpc>
+                <a:spcPct val="107000"/>
+              </a:lnSpc>
+              <a:spcBef>
+                <a:spcPts val="0"/>
+              </a:spcBef>
+              <a:spcAft>
+                <a:spcPts val="800"/>
+              </a:spcAft>
+              <a:buNone/>
+            </a:pPr>
             <a:endParaRPr lang="en-US" dirty="0">
               <a:solidFill>
                 <a:schemeClr val="bg1"/>
@@ -7450,40 +7498,6 @@
               </a:rPr>
               <a:t>خروجی لایه softmax با استفاده از رمزگشایی CTC رمزگشایی می شود. لاجیت های لایه softmax با دانش قبلی خاص زبان ترکیب می شوند. </a:t>
             </a:r>
-          </a:p>
-          <a:p>
-            <a:pPr marL="0" marR="0" algn="r" rtl="1">
-              <a:lnSpc>
-                <a:spcPct val="107000"/>
-              </a:lnSpc>
-              <a:spcBef>
-                <a:spcPts val="0"/>
-              </a:spcBef>
-              <a:spcAft>
-                <a:spcPts val="800"/>
-              </a:spcAft>
-            </a:pPr>
-            <a:endParaRPr lang="fa-IR" dirty="0">
-              <a:solidFill>
-                <a:schemeClr val="bg1"/>
-              </a:solidFill>
-              <a:latin typeface="Calibri" panose="020F0502020204030204" pitchFamily="34" charset="0"/>
-              <a:ea typeface="Calibri" panose="020F0502020204030204" pitchFamily="34" charset="0"/>
-              <a:cs typeface="B Nazanin" panose="00000400000000000000" pitchFamily="2" charset="-78"/>
-            </a:endParaRPr>
-          </a:p>
-          <a:p>
-            <a:pPr marL="0" marR="0" algn="r" rtl="1">
-              <a:lnSpc>
-                <a:spcPct val="107000"/>
-              </a:lnSpc>
-              <a:spcBef>
-                <a:spcPts val="0"/>
-              </a:spcBef>
-              <a:spcAft>
-                <a:spcPts val="800"/>
-              </a:spcAft>
-            </a:pPr>
             <a:endParaRPr lang="en-US" dirty="0">
               <a:solidFill>
                 <a:schemeClr val="bg1"/>
@@ -7538,6 +7552,42 @@
           </a:p>
         </p:txBody>
       </p:sp>
+      <p:pic>
+        <p:nvPicPr>
+          <p:cNvPr id="4" name="Picture 3">
+            <a:extLst>
+              <a:ext uri="{FF2B5EF4-FFF2-40B4-BE49-F238E27FC236}">
+                <a16:creationId xmlns:a16="http://schemas.microsoft.com/office/drawing/2014/main" id="{F3258755-C2AB-9531-BFA5-6950437196D0}"/>
+              </a:ext>
+            </a:extLst>
+          </p:cNvPr>
+          <p:cNvPicPr>
+            <a:picLocks noChangeAspect="1"/>
+          </p:cNvPicPr>
+          <p:nvPr/>
+        </p:nvPicPr>
+        <p:blipFill>
+          <a:blip r:embed="rId2">
+            <a:extLst>
+              <a:ext uri="{28A0092B-C50C-407E-A947-70E740481C1C}">
+                <a14:useLocalDpi xmlns:a14="http://schemas.microsoft.com/office/drawing/2010/main" val="0"/>
+              </a:ext>
+            </a:extLst>
+          </a:blip>
+          <a:stretch>
+            <a:fillRect/>
+          </a:stretch>
+        </p:blipFill>
+        <p:spPr>
+          <a:xfrm>
+            <a:off x="1407085" y="1808746"/>
+            <a:ext cx="5334374" cy="2207441"/>
+          </a:xfrm>
+          <a:prstGeom prst="rect">
+            <a:avLst/>
+          </a:prstGeom>
+        </p:spPr>
+      </p:pic>
     </p:spTree>
     <p:extLst>
       <p:ext uri="{BB962C8B-B14F-4D97-AF65-F5344CB8AC3E}">
@@ -35381,31 +35431,6 @@
       </p:grpSpPr>
       <p:sp>
         <p:nvSpPr>
-          <p:cNvPr id="2" name="Title 1">
-            <a:extLst>
-              <a:ext uri="{FF2B5EF4-FFF2-40B4-BE49-F238E27FC236}">
-                <a16:creationId xmlns:a16="http://schemas.microsoft.com/office/drawing/2014/main" id="{D9FC87B2-9F41-3AB2-F92A-69B1FE311077}"/>
-              </a:ext>
-            </a:extLst>
-          </p:cNvPr>
-          <p:cNvSpPr>
-            <a:spLocks noGrp="1"/>
-          </p:cNvSpPr>
-          <p:nvPr>
-            <p:ph type="title"/>
-          </p:nvPr>
-        </p:nvSpPr>
-        <p:spPr/>
-        <p:txBody>
-          <a:bodyPr/>
-          <a:lstStyle/>
-          <a:p>
-            <a:endParaRPr lang="en-US"/>
-          </a:p>
-        </p:txBody>
-      </p:sp>
-      <p:sp>
-        <p:nvSpPr>
           <p:cNvPr id="3" name="Content Placeholder 2">
             <a:extLst>
               <a:ext uri="{FF2B5EF4-FFF2-40B4-BE49-F238E27FC236}">
@@ -35422,13 +35447,13 @@
         </p:nvSpPr>
         <p:spPr>
           <a:xfrm>
-            <a:off x="684212" y="1026459"/>
-            <a:ext cx="8534400" cy="3615267"/>
+            <a:off x="684212" y="663389"/>
+            <a:ext cx="10548564" cy="5836024"/>
           </a:xfrm>
         </p:spPr>
         <p:txBody>
           <a:bodyPr>
-            <a:normAutofit lnSpcReduction="10000"/>
+            <a:normAutofit/>
           </a:bodyPr>
           <a:lstStyle/>
           <a:p>
@@ -35480,6 +35505,96 @@
               </a:rPr>
               <a:t>این مقاله یک سیستم دستخط آنلاین مبتنی بر شبکه عصبی عمیق را معرفی می کند که از 102 زبان پشتیبانی می کند. نرخ خطا را 20 تا 40 درصد کاهش می دهد، نتایج برتر را در IAM- OnDB به دست می آورد و از منحنی های Bézier برای تشخیص سریعتر استفاده می کند. اثربخشی سیستم بر روی مجموعه داده های عمومی مختلف آزمایش شد.</a:t>
             </a:r>
+          </a:p>
+          <a:p>
+            <a:pPr marL="0" marR="0" algn="r" rtl="1">
+              <a:lnSpc>
+                <a:spcPct val="107000"/>
+              </a:lnSpc>
+              <a:spcBef>
+                <a:spcPts val="0"/>
+              </a:spcBef>
+              <a:spcAft>
+                <a:spcPts val="800"/>
+              </a:spcAft>
+            </a:pPr>
+            <a:endParaRPr lang="fa-IR" sz="2000" dirty="0">
+              <a:latin typeface="Calibri" panose="020F0502020204030204" pitchFamily="34" charset="0"/>
+              <a:ea typeface="Calibri" panose="020F0502020204030204" pitchFamily="34" charset="0"/>
+              <a:cs typeface="B Nazanin" panose="00000400000000000000" pitchFamily="2" charset="-78"/>
+            </a:endParaRPr>
+          </a:p>
+          <a:p>
+            <a:pPr marL="0" marR="0" algn="r" rtl="1">
+              <a:lnSpc>
+                <a:spcPct val="107000"/>
+              </a:lnSpc>
+              <a:spcBef>
+                <a:spcPts val="0"/>
+              </a:spcBef>
+              <a:spcAft>
+                <a:spcPts val="800"/>
+              </a:spcAft>
+            </a:pPr>
+            <a:endParaRPr lang="fa-IR" sz="2000" dirty="0">
+              <a:latin typeface="Calibri" panose="020F0502020204030204" pitchFamily="34" charset="0"/>
+              <a:ea typeface="Calibri" panose="020F0502020204030204" pitchFamily="34" charset="0"/>
+              <a:cs typeface="B Nazanin" panose="00000400000000000000" pitchFamily="2" charset="-78"/>
+            </a:endParaRPr>
+          </a:p>
+          <a:p>
+            <a:pPr marL="0" marR="0" algn="r" rtl="1">
+              <a:lnSpc>
+                <a:spcPct val="107000"/>
+              </a:lnSpc>
+              <a:spcBef>
+                <a:spcPts val="0"/>
+              </a:spcBef>
+              <a:spcAft>
+                <a:spcPts val="800"/>
+              </a:spcAft>
+            </a:pPr>
+            <a:endParaRPr lang="fa-IR" sz="2000" dirty="0">
+              <a:latin typeface="Calibri" panose="020F0502020204030204" pitchFamily="34" charset="0"/>
+              <a:ea typeface="Calibri" panose="020F0502020204030204" pitchFamily="34" charset="0"/>
+              <a:cs typeface="B Nazanin" panose="00000400000000000000" pitchFamily="2" charset="-78"/>
+            </a:endParaRPr>
+          </a:p>
+          <a:p>
+            <a:pPr marL="0" marR="0" algn="r" rtl="1">
+              <a:lnSpc>
+                <a:spcPct val="107000"/>
+              </a:lnSpc>
+              <a:spcBef>
+                <a:spcPts val="0"/>
+              </a:spcBef>
+              <a:spcAft>
+                <a:spcPts val="800"/>
+              </a:spcAft>
+            </a:pPr>
+            <a:endParaRPr lang="fa-IR" dirty="0">
+              <a:latin typeface="Calibri" panose="020F0502020204030204" pitchFamily="34" charset="0"/>
+              <a:ea typeface="Calibri" panose="020F0502020204030204" pitchFamily="34" charset="0"/>
+              <a:cs typeface="B Nazanin" panose="00000400000000000000" pitchFamily="2" charset="-78"/>
+            </a:endParaRPr>
+          </a:p>
+          <a:p>
+            <a:pPr marL="0" marR="0" algn="r" rtl="1">
+              <a:lnSpc>
+                <a:spcPct val="107000"/>
+              </a:lnSpc>
+              <a:spcBef>
+                <a:spcPts val="0"/>
+              </a:spcBef>
+              <a:spcAft>
+                <a:spcPts val="800"/>
+              </a:spcAft>
+            </a:pPr>
+            <a:endParaRPr lang="fa-IR" sz="2000" dirty="0">
+              <a:latin typeface="Calibri" panose="020F0502020204030204" pitchFamily="34" charset="0"/>
+              <a:ea typeface="Calibri" panose="020F0502020204030204" pitchFamily="34" charset="0"/>
+              <a:cs typeface="B Nazanin" panose="00000400000000000000" pitchFamily="2" charset="-78"/>
+            </a:endParaRPr>
           </a:p>
           <a:p>
             <a:pPr marL="0" marR="0" algn="r" rtl="1">
@@ -35577,6 +35692,42 @@
           </a:p>
         </p:txBody>
       </p:sp>
+      <p:pic>
+        <p:nvPicPr>
+          <p:cNvPr id="5" name="Picture 4">
+            <a:extLst>
+              <a:ext uri="{FF2B5EF4-FFF2-40B4-BE49-F238E27FC236}">
+                <a16:creationId xmlns:a16="http://schemas.microsoft.com/office/drawing/2014/main" id="{7E3BD63E-EF56-8A3F-7F29-33578EA27846}"/>
+              </a:ext>
+            </a:extLst>
+          </p:cNvPr>
+          <p:cNvPicPr>
+            <a:picLocks noChangeAspect="1"/>
+          </p:cNvPicPr>
+          <p:nvPr/>
+        </p:nvPicPr>
+        <p:blipFill>
+          <a:blip r:embed="rId2">
+            <a:extLst>
+              <a:ext uri="{28A0092B-C50C-407E-A947-70E740481C1C}">
+                <a14:useLocalDpi xmlns:a14="http://schemas.microsoft.com/office/drawing/2010/main" val="0"/>
+              </a:ext>
+            </a:extLst>
+          </a:blip>
+          <a:stretch>
+            <a:fillRect/>
+          </a:stretch>
+        </p:blipFill>
+        <p:spPr>
+          <a:xfrm>
+            <a:off x="2158066" y="2183373"/>
+            <a:ext cx="5820523" cy="2962368"/>
+          </a:xfrm>
+          <a:prstGeom prst="rect">
+            <a:avLst/>
+          </a:prstGeom>
+        </p:spPr>
+      </p:pic>
     </p:spTree>
     <p:extLst>
       <p:ext uri="{BB962C8B-B14F-4D97-AF65-F5344CB8AC3E}">
@@ -36178,7 +36329,7 @@
         <p:spPr>
           <a:xfrm>
             <a:off x="661737" y="365125"/>
-            <a:ext cx="10515600" cy="4351338"/>
+            <a:ext cx="10515600" cy="3063875"/>
           </a:xfrm>
         </p:spPr>
         <p:txBody>
@@ -36228,7 +36379,7 @@
                 <a:ea typeface="Calibri" panose="020F0502020204030204" pitchFamily="34" charset="0"/>
                 <a:cs typeface="B Nazanin" panose="00000400000000000000" pitchFamily="2" charset="-78"/>
               </a:rPr>
-              <a:t>یک سیستم تشخیص دست خط آنلاین است</a:t>
+              <a:t>یک سیستم تشخیص دست خط آنلاین است که می تواند با زبان ها و اسکریپت های مختلف کار کند.</a:t>
             </a:r>
             <a:endParaRPr lang="en-US" sz="2000" dirty="0">
               <a:cs typeface="B Nazanin" panose="00000400000000000000" pitchFamily="2" charset="-78"/>
@@ -36258,8 +36409,8 @@
         </p:blipFill>
         <p:spPr>
           <a:xfrm>
-            <a:off x="1812758" y="3876925"/>
-            <a:ext cx="8502315" cy="2615950"/>
+            <a:off x="1844842" y="2769377"/>
+            <a:ext cx="8502315" cy="3435910"/>
           </a:xfrm>
           <a:prstGeom prst="rect">
             <a:avLst/>
